--- a/Pre-Meeting.pptx
+++ b/Pre-Meeting.pptx
@@ -199,7 +199,7 @@
             <a:fld id="{235C0CDE-A2E1-437E-92DD-C5A4EBC43560}" type="datetimeFigureOut">
               <a:rPr lang="en-US" smtClean="0"/>
               <a:pPr/>
-              <a:t>6/15/2010</a:t>
+              <a:t>6/21/2010</a:t>
             </a:fld>
             <a:endParaRPr lang="en-US"/>
           </a:p>
@@ -370,7 +370,7 @@
     </p:spTree>
     <p:extLst>
       <p:ext uri="{BB962C8B-B14F-4D97-AF65-F5344CB8AC3E}">
-        <p14:creationId xmlns="" xmlns:p14="http://schemas.microsoft.com/office/powerpoint/2010/main" val="2963736740"/>
+        <p14:creationId xmlns:p14="http://schemas.microsoft.com/office/powerpoint/2010/main" xmlns="" val="2963736740"/>
       </p:ext>
     </p:extLst>
   </p:cSld>
@@ -719,7 +719,7 @@
             <a:fld id="{0F5C3293-A077-4462-AE27-1B10B3D03231}" type="datetimeFigureOut">
               <a:rPr lang="en-US" smtClean="0"/>
               <a:pPr/>
-              <a:t>6/15/2010</a:t>
+              <a:t>6/21/2010</a:t>
             </a:fld>
             <a:endParaRPr lang="en-US"/>
           </a:p>
@@ -954,7 +954,7 @@
             <a:fld id="{0F5C3293-A077-4462-AE27-1B10B3D03231}" type="datetimeFigureOut">
               <a:rPr lang="en-US" smtClean="0"/>
               <a:pPr/>
-              <a:t>6/15/2010</a:t>
+              <a:t>6/21/2010</a:t>
             </a:fld>
             <a:endParaRPr lang="en-US"/>
           </a:p>
@@ -1246,7 +1246,7 @@
             <a:fld id="{0F5C3293-A077-4462-AE27-1B10B3D03231}" type="datetimeFigureOut">
               <a:rPr lang="en-US" smtClean="0"/>
               <a:pPr/>
-              <a:t>6/15/2010</a:t>
+              <a:t>6/21/2010</a:t>
             </a:fld>
             <a:endParaRPr lang="en-US"/>
           </a:p>
@@ -1437,7 +1437,7 @@
             <a:fld id="{0F5C3293-A077-4462-AE27-1B10B3D03231}" type="datetimeFigureOut">
               <a:rPr lang="en-US" smtClean="0"/>
               <a:pPr/>
-              <a:t>6/15/2010</a:t>
+              <a:t>6/21/2010</a:t>
             </a:fld>
             <a:endParaRPr lang="en-US"/>
           </a:p>
@@ -1807,7 +1807,7 @@
             <a:fld id="{0F5C3293-A077-4462-AE27-1B10B3D03231}" type="datetimeFigureOut">
               <a:rPr lang="en-US" smtClean="0"/>
               <a:pPr/>
-              <a:t>6/15/2010</a:t>
+              <a:t>6/21/2010</a:t>
             </a:fld>
             <a:endParaRPr lang="en-US"/>
           </a:p>
@@ -2106,7 +2106,7 @@
             <a:fld id="{0F5C3293-A077-4462-AE27-1B10B3D03231}" type="datetimeFigureOut">
               <a:rPr lang="en-US" smtClean="0"/>
               <a:pPr/>
-              <a:t>6/15/2010</a:t>
+              <a:t>6/21/2010</a:t>
             </a:fld>
             <a:endParaRPr lang="en-US"/>
           </a:p>
@@ -2540,7 +2540,7 @@
             <a:fld id="{0F5C3293-A077-4462-AE27-1B10B3D03231}" type="datetimeFigureOut">
               <a:rPr lang="en-US" smtClean="0"/>
               <a:pPr/>
-              <a:t>6/15/2010</a:t>
+              <a:t>6/21/2010</a:t>
             </a:fld>
             <a:endParaRPr lang="en-US"/>
           </a:p>
@@ -2667,7 +2667,7 @@
             <a:fld id="{0F5C3293-A077-4462-AE27-1B10B3D03231}" type="datetimeFigureOut">
               <a:rPr lang="en-US" smtClean="0"/>
               <a:pPr/>
-              <a:t>6/15/2010</a:t>
+              <a:t>6/21/2010</a:t>
             </a:fld>
             <a:endParaRPr lang="en-US"/>
           </a:p>
@@ -2769,7 +2769,7 @@
             <a:fld id="{0F5C3293-A077-4462-AE27-1B10B3D03231}" type="datetimeFigureOut">
               <a:rPr lang="en-US" smtClean="0"/>
               <a:pPr/>
-              <a:t>6/15/2010</a:t>
+              <a:t>6/21/2010</a:t>
             </a:fld>
             <a:endParaRPr lang="en-US"/>
           </a:p>
@@ -3059,7 +3059,7 @@
             <a:fld id="{0F5C3293-A077-4462-AE27-1B10B3D03231}" type="datetimeFigureOut">
               <a:rPr lang="en-US" smtClean="0"/>
               <a:pPr/>
-              <a:t>6/15/2010</a:t>
+              <a:t>6/21/2010</a:t>
             </a:fld>
             <a:endParaRPr lang="en-US"/>
           </a:p>
@@ -3437,7 +3437,7 @@
             <a:fld id="{0F5C3293-A077-4462-AE27-1B10B3D03231}" type="datetimeFigureOut">
               <a:rPr lang="en-US" smtClean="0"/>
               <a:pPr/>
-              <a:t>6/15/2010</a:t>
+              <a:t>6/21/2010</a:t>
             </a:fld>
             <a:endParaRPr lang="en-US"/>
           </a:p>
@@ -3886,7 +3886,7 @@
             <a:fld id="{0F5C3293-A077-4462-AE27-1B10B3D03231}" type="datetimeFigureOut">
               <a:rPr lang="en-US" smtClean="0"/>
               <a:pPr/>
-              <a:t>6/15/2010</a:t>
+              <a:t>6/21/2010</a:t>
             </a:fld>
             <a:endParaRPr lang="en-US"/>
           </a:p>
@@ -4367,7 +4367,7 @@
   <p:clrMapOvr>
     <a:masterClrMapping/>
   </p:clrMapOvr>
-  <p:transition advTm="15000">
+  <p:transition advClick="0" advTm="15000">
     <p:fade/>
   </p:transition>
   <p:timing>
@@ -5402,8 +5402,9 @@
               <a:pPr algn="ctr"/>
               <a:r>
                 <a:rPr lang="en-US" dirty="0" smtClean="0"/>
-                <a:t>July 8</a:t>
+                <a:t>August 12</a:t>
               </a:r>
+              <a:endParaRPr lang="en-US" dirty="0" smtClean="0"/>
             </a:p>
             <a:p>
               <a:pPr algn="ctr"/>
@@ -5479,8 +5480,9 @@
               <a:pPr algn="ctr"/>
               <a:r>
                 <a:rPr lang="en-US" dirty="0" smtClean="0"/>
-                <a:t>July 15</a:t>
+                <a:t>August 19</a:t>
               </a:r>
+              <a:endParaRPr lang="en-US" dirty="0" smtClean="0"/>
             </a:p>
             <a:p>
               <a:pPr algn="ctr"/>
@@ -5556,8 +5558,9 @@
               <a:pPr algn="ctr"/>
               <a:r>
                 <a:rPr lang="en-US" dirty="0" smtClean="0"/>
-                <a:t>July 20</a:t>
+                <a:t>August 17</a:t>
               </a:r>
+              <a:endParaRPr lang="en-US" dirty="0" smtClean="0"/>
             </a:p>
             <a:p>
               <a:pPr algn="ctr"/>
@@ -5633,8 +5636,9 @@
               <a:pPr algn="ctr"/>
               <a:r>
                 <a:rPr lang="en-US" dirty="0" smtClean="0"/>
-                <a:t>July 14</a:t>
+                <a:t>August 11</a:t>
               </a:r>
+              <a:endParaRPr lang="en-US" dirty="0" smtClean="0"/>
             </a:p>
             <a:p>
               <a:pPr algn="ctr"/>
@@ -5814,7 +5818,7 @@
     </p:spTree>
     <p:extLst>
       <p:ext uri="{BB962C8B-B14F-4D97-AF65-F5344CB8AC3E}">
-        <p14:creationId xmlns="" xmlns:p14="http://schemas.microsoft.com/office/powerpoint/2010/main" val="2086303709"/>
+        <p14:creationId xmlns:p14="http://schemas.microsoft.com/office/powerpoint/2010/main" xmlns="" val="2086303709"/>
       </p:ext>
     </p:extLst>
   </p:cSld>
@@ -5868,11 +5872,8 @@
           <a:p>
             <a:r>
               <a:rPr lang="en-US" dirty="0" smtClean="0"/>
-              <a:t>TDD Dojo</a:t>
-            </a:r>
-            <a:br>
-              <a:rPr lang="en-US" dirty="0" smtClean="0"/>
-            </a:br>
+              <a:t>Deliberate Practice</a:t>
+            </a:r>
             <a:endParaRPr lang="en-US" sz="3600" dirty="0"/>
           </a:p>
         </p:txBody>
@@ -5894,11 +5895,15 @@
           <a:p>
             <a:r>
               <a:rPr lang="en-US" dirty="0" smtClean="0"/>
-              <a:t>Moderated by @</a:t>
+              <a:t>Presented by @</a:t>
             </a:r>
             <a:r>
               <a:rPr lang="en-US" dirty="0" err="1" smtClean="0"/>
-              <a:t>skimedic</a:t>
+              <a:t>myotherpants</a:t>
+            </a:r>
+            <a:r>
+              <a:rPr lang="en-US" dirty="0" smtClean="0"/>
+              <a:t> (Brian Ball)</a:t>
             </a:r>
             <a:endParaRPr lang="en-US" dirty="0"/>
           </a:p>
@@ -5907,7 +5912,7 @@
     </p:spTree>
     <p:extLst>
       <p:ext uri="{BB962C8B-B14F-4D97-AF65-F5344CB8AC3E}">
-        <p14:creationId xmlns="" xmlns:p14="http://schemas.microsoft.com/office/powerpoint/2010/main" val="1359258116"/>
+        <p14:creationId xmlns:p14="http://schemas.microsoft.com/office/powerpoint/2010/main" xmlns="" val="1359258116"/>
       </p:ext>
     </p:extLst>
   </p:cSld>
@@ -5963,14 +5968,22 @@
           <a:p>
             <a:r>
               <a:rPr lang="en-US" dirty="0" smtClean="0"/>
-              <a:t>Next Month: Deliberate Practice</a:t>
+              <a:t>Next Month: </a:t>
+            </a:r>
+            <a:r>
+              <a:rPr lang="en-US" dirty="0" smtClean="0"/>
+              <a:t/>
             </a:r>
             <a:br>
               <a:rPr lang="en-US" dirty="0" smtClean="0"/>
             </a:br>
             <a:r>
               <a:rPr lang="en-US" dirty="0" smtClean="0"/>
-              <a:t>July 15</a:t>
+              <a:t>August 19</a:t>
+            </a:r>
+            <a:r>
+              <a:rPr lang="en-US" dirty="0" smtClean="0"/>
+              <a:t/>
             </a:r>
             <a:br>
               <a:rPr lang="en-US" dirty="0" smtClean="0"/>
@@ -5996,15 +6009,11 @@
           <a:p>
             <a:r>
               <a:rPr lang="en-US" dirty="0" smtClean="0"/>
-              <a:t>Presented by @</a:t>
-            </a:r>
-            <a:r>
-              <a:rPr lang="en-US" dirty="0" err="1" smtClean="0"/>
-              <a:t>myotherpants</a:t>
+              <a:t>Presented </a:t>
             </a:r>
             <a:r>
               <a:rPr lang="en-US" dirty="0" smtClean="0"/>
-              <a:t> (Brian Ball)</a:t>
+              <a:t>by</a:t>
             </a:r>
             <a:endParaRPr lang="en-US" dirty="0"/>
           </a:p>
@@ -6013,7 +6022,7 @@
     </p:spTree>
     <p:extLst>
       <p:ext uri="{BB962C8B-B14F-4D97-AF65-F5344CB8AC3E}">
-        <p14:creationId xmlns="" xmlns:p14="http://schemas.microsoft.com/office/powerpoint/2010/main" val="1359258116"/>
+        <p14:creationId xmlns:p14="http://schemas.microsoft.com/office/powerpoint/2010/main" xmlns="" val="1359258116"/>
       </p:ext>
     </p:extLst>
   </p:cSld>
